--- a/djchatbot/챗봇 시작하기.pptx
+++ b/djchatbot/챗봇 시작하기.pptx
@@ -5,7 +5,7 @@
     <p:sldMasterId id="2147483648" r:id="rId1"/>
   </p:sldMasterIdLst>
   <p:notesMasterIdLst>
-    <p:notesMasterId r:id="rId41"/>
+    <p:notesMasterId r:id="rId42"/>
   </p:notesMasterIdLst>
   <p:sldIdLst>
     <p:sldId id="256" r:id="rId2"/>
@@ -46,7 +46,8 @@
     <p:sldId id="268" r:id="rId37"/>
     <p:sldId id="298" r:id="rId38"/>
     <p:sldId id="269" r:id="rId39"/>
-    <p:sldId id="270" r:id="rId40"/>
+    <p:sldId id="299" r:id="rId40"/>
+    <p:sldId id="270" r:id="rId41"/>
   </p:sldIdLst>
   <p:sldSz cx="12192000" cy="6858000"/>
   <p:notesSz cx="6858000" cy="9144000"/>
@@ -235,7 +236,7 @@
           <a:p>
             <a:fld id="{A131F510-A98E-4C72-98FE-78D0C281576A}" type="datetimeFigureOut">
               <a:rPr lang="ko-KR" altLang="en-US" smtClean="0"/>
-              <a:t>2022-12-18</a:t>
+              <a:t>2023-08-14</a:t>
             </a:fld>
             <a:endParaRPr lang="ko-KR" altLang="en-US"/>
           </a:p>
@@ -1215,7 +1216,7 @@
           <a:p>
             <a:fld id="{31E26110-7427-4258-B496-620CBD22F617}" type="datetime1">
               <a:rPr lang="en-US" altLang="ko-KR" smtClean="0"/>
-              <a:t>12/18/2022</a:t>
+              <a:t>8/14/2023</a:t>
             </a:fld>
             <a:endParaRPr lang="en-US" dirty="0"/>
           </a:p>
@@ -1552,7 +1553,7 @@
           <a:p>
             <a:fld id="{77BB096E-1218-4D0A-BF65-DC6699EFB28D}" type="datetime1">
               <a:rPr lang="en-US" altLang="ko-KR" smtClean="0"/>
-              <a:t>12/18/2022</a:t>
+              <a:t>8/14/2023</a:t>
             </a:fld>
             <a:endParaRPr lang="en-US" dirty="0"/>
           </a:p>
@@ -1739,7 +1740,7 @@
           <a:p>
             <a:fld id="{208D4BDA-4AF5-49E1-89F6-3ADD11200619}" type="datetime1">
               <a:rPr lang="en-US" altLang="ko-KR" smtClean="0"/>
-              <a:t>12/18/2022</a:t>
+              <a:t>8/14/2023</a:t>
             </a:fld>
             <a:endParaRPr lang="en-US" dirty="0"/>
           </a:p>
@@ -1916,7 +1917,7 @@
           <a:p>
             <a:fld id="{B9ACB07D-C59B-471E-92D7-09F0F93A5A0F}" type="datetime1">
               <a:rPr lang="en-US" altLang="ko-KR" smtClean="0"/>
-              <a:t>12/18/2022</a:t>
+              <a:t>8/14/2023</a:t>
             </a:fld>
             <a:endParaRPr lang="en-US" dirty="0"/>
           </a:p>
@@ -2205,7 +2206,7 @@
           <a:p>
             <a:fld id="{F4D80C68-81B5-460B-A18A-5DD6D9C2A312}" type="datetime1">
               <a:rPr lang="en-US" altLang="ko-KR" smtClean="0"/>
-              <a:t>12/18/2022</a:t>
+              <a:t>8/14/2023</a:t>
             </a:fld>
             <a:endParaRPr lang="en-US" dirty="0"/>
           </a:p>
@@ -2606,7 +2607,7 @@
           <a:p>
             <a:fld id="{C4A0CE67-BFBC-408C-BE86-6DAFD1983E39}" type="datetime1">
               <a:rPr lang="en-US" altLang="ko-KR" smtClean="0"/>
-              <a:t>12/18/2022</a:t>
+              <a:t>8/14/2023</a:t>
             </a:fld>
             <a:endParaRPr lang="en-US" dirty="0"/>
           </a:p>
@@ -3090,7 +3091,7 @@
           <a:p>
             <a:fld id="{7494AB61-5195-43C5-8C2D-1DE672610229}" type="datetime1">
               <a:rPr lang="en-US" altLang="ko-KR" smtClean="0"/>
-              <a:t>12/18/2022</a:t>
+              <a:t>8/14/2023</a:t>
             </a:fld>
             <a:endParaRPr lang="en-US" dirty="0"/>
           </a:p>
@@ -3203,7 +3204,7 @@
           <a:p>
             <a:fld id="{5E91D5FB-7776-4A75-B6C2-1C5509BB1891}" type="datetime1">
               <a:rPr lang="en-US" altLang="ko-KR" smtClean="0"/>
-              <a:t>12/18/2022</a:t>
+              <a:t>8/14/2023</a:t>
             </a:fld>
             <a:endParaRPr lang="en-US" dirty="0"/>
           </a:p>
@@ -3305,7 +3306,7 @@
           <a:p>
             <a:fld id="{B464DF01-987A-45FA-8257-94D13837093A}" type="datetime1">
               <a:rPr lang="en-US" altLang="ko-KR" smtClean="0"/>
-              <a:t>12/18/2022</a:t>
+              <a:t>8/14/2023</a:t>
             </a:fld>
             <a:endParaRPr lang="en-US" dirty="0"/>
           </a:p>
@@ -3658,7 +3659,7 @@
           <a:p>
             <a:fld id="{81A5A3AF-89F5-4B62-8127-D9533795479C}" type="datetime1">
               <a:rPr lang="en-US" altLang="ko-KR" smtClean="0"/>
-              <a:t>12/18/2022</a:t>
+              <a:t>8/14/2023</a:t>
             </a:fld>
             <a:endParaRPr lang="en-US" dirty="0"/>
           </a:p>
@@ -4053,7 +4054,7 @@
           <a:p>
             <a:fld id="{743C74A3-A36E-41FD-BCA6-F246C2DD868C}" type="datetime1">
               <a:rPr lang="en-US" altLang="ko-KR" smtClean="0"/>
-              <a:t>12/18/2022</a:t>
+              <a:t>8/14/2023</a:t>
             </a:fld>
             <a:endParaRPr lang="en-US" dirty="0"/>
           </a:p>
@@ -4338,7 +4339,7 @@
           <a:p>
             <a:fld id="{266A605B-5AE5-405E-83E2-5776702695B9}" type="datetime1">
               <a:rPr lang="en-US" altLang="ko-KR" smtClean="0"/>
-              <a:t>12/18/2022</a:t>
+              <a:t>8/14/2023</a:t>
             </a:fld>
             <a:endParaRPr lang="en-US" dirty="0"/>
           </a:p>
@@ -9921,7 +9922,7 @@
             </a:r>
             <a:r>
               <a:rPr lang="en-US" altLang="ko-KR" sz="1400" dirty="0" err="1" smtClean="0"/>
-              <a:t>impleImage</a:t>
+              <a:t>simpleImage</a:t>
             </a:r>
             <a:r>
               <a:rPr lang="en-US" altLang="ko-KR" sz="1400" dirty="0" smtClean="0"/>
@@ -11251,15 +11252,23 @@
             <a:pPr lvl="1"/>
             <a:r>
               <a:rPr lang="ko-KR" altLang="en-US" sz="1800" dirty="0" smtClean="0"/>
-              <a:t>코로나 시대가 되면서 증가된 비대면 서비스에 대한 </a:t>
-            </a:r>
-            <a:r>
-              <a:rPr lang="ko-KR" altLang="en-US" sz="1800" dirty="0" err="1" smtClean="0"/>
-              <a:t>니즈</a:t>
+              <a:t>시대의 흐</a:t>
             </a:r>
             <a:r>
               <a:rPr lang="ko-KR" altLang="en-US" sz="1800" dirty="0" smtClean="0"/>
-              <a:t> 충족</a:t>
+              <a:t>름에 따라</a:t>
+            </a:r>
+            <a:r>
+              <a:rPr lang="ko-KR" altLang="en-US" sz="1800" dirty="0" smtClean="0"/>
+              <a:t> 증가하고 있는 </a:t>
+            </a:r>
+            <a:r>
+              <a:rPr lang="ko-KR" altLang="en-US" sz="1800" dirty="0" smtClean="0"/>
+              <a:t>비대면 서비스에 </a:t>
+            </a:r>
+            <a:r>
+              <a:rPr lang="ko-KR" altLang="en-US" sz="1800" dirty="0" smtClean="0"/>
+              <a:t>대한 필요성 충족</a:t>
             </a:r>
             <a:endParaRPr lang="ko-KR" altLang="en-US" sz="1800" dirty="0"/>
           </a:p>
@@ -14417,70 +14426,228 @@
       </p:grpSpPr>
       <p:sp>
         <p:nvSpPr>
-          <p:cNvPr id="4" name="직사각형 3"/>
-          <p:cNvSpPr/>
-          <p:nvPr/>
-        </p:nvSpPr>
-        <p:spPr>
-          <a:xfrm>
-            <a:off x="1755786" y="2457196"/>
-            <a:ext cx="8872942" cy="2215991"/>
-          </a:xfrm>
-          <a:prstGeom prst="rect">
-            <a:avLst/>
-          </a:prstGeom>
-          <a:noFill/>
-        </p:spPr>
-        <p:txBody>
-          <a:bodyPr wrap="none" lIns="91440" tIns="45720" rIns="91440" bIns="45720">
-            <a:spAutoFit/>
-          </a:bodyPr>
-          <a:lstStyle/>
-          <a:p>
-            <a:pPr algn="ctr"/>
-            <a:r>
-              <a:rPr lang="ko-KR" altLang="en-US" sz="13800" b="1" dirty="0" smtClean="0">
-                <a:ln w="0"/>
-                <a:effectLst>
-                  <a:outerShdw blurRad="38100" dist="19050" dir="2700000" algn="tl" rotWithShape="0">
-                    <a:schemeClr val="dk1">
-                      <a:alpha val="40000"/>
-                    </a:schemeClr>
-                  </a:outerShdw>
-                </a:effectLst>
+          <p:cNvPr id="2" name="제목 1"/>
+          <p:cNvSpPr>
+            <a:spLocks noGrp="1"/>
+          </p:cNvSpPr>
+          <p:nvPr>
+            <p:ph type="title"/>
+          </p:nvPr>
+        </p:nvSpPr>
+        <p:spPr/>
+        <p:txBody>
+          <a:bodyPr/>
+          <a:lstStyle/>
+          <a:p>
+            <a:r>
+              <a:rPr lang="ko-KR" altLang="en-US" dirty="0" smtClean="0"/>
+              <a:t>참고 문헌</a:t>
+            </a:r>
+            <a:endParaRPr lang="ko-KR" altLang="en-US" dirty="0"/>
+          </a:p>
+        </p:txBody>
+      </p:sp>
+      <p:sp>
+        <p:nvSpPr>
+          <p:cNvPr id="3" name="내용 개체 틀 2"/>
+          <p:cNvSpPr>
+            <a:spLocks noGrp="1"/>
+          </p:cNvSpPr>
+          <p:nvPr>
+            <p:ph idx="1"/>
+          </p:nvPr>
+        </p:nvSpPr>
+        <p:spPr/>
+        <p:txBody>
+          <a:bodyPr/>
+          <a:lstStyle/>
+          <a:p>
+            <a:r>
+              <a:rPr lang="ko-KR" altLang="en-US" dirty="0" smtClean="0"/>
+              <a:t>처음 배우는 </a:t>
+            </a:r>
+            <a:r>
+              <a:rPr lang="ko-KR" altLang="en-US" dirty="0" err="1" smtClean="0"/>
+              <a:t>딥러닝</a:t>
+            </a:r>
+            <a:r>
+              <a:rPr lang="ko-KR" altLang="en-US" dirty="0" smtClean="0"/>
+              <a:t> </a:t>
+            </a:r>
+            <a:r>
+              <a:rPr lang="ko-KR" altLang="en-US" dirty="0" err="1" smtClean="0"/>
+              <a:t>챗봇</a:t>
+            </a:r>
+            <a:r>
+              <a:rPr lang="en-US" altLang="ko-KR" dirty="0" smtClean="0"/>
+              <a:t>(</a:t>
+            </a:r>
+            <a:r>
+              <a:rPr lang="ko-KR" altLang="en-US" dirty="0" err="1" smtClean="0"/>
+              <a:t>조경래</a:t>
+            </a:r>
+            <a:r>
+              <a:rPr lang="en-US" altLang="ko-KR" dirty="0" smtClean="0"/>
+              <a:t>, </a:t>
+            </a:r>
+            <a:r>
+              <a:rPr lang="ko-KR" altLang="en-US" dirty="0" err="1" smtClean="0"/>
+              <a:t>한빛미디어</a:t>
+            </a:r>
+            <a:r>
+              <a:rPr lang="en-US" altLang="ko-KR" dirty="0" smtClean="0"/>
+              <a:t>, 2020)</a:t>
+            </a:r>
+          </a:p>
+          <a:p>
+            <a:r>
+              <a:rPr lang="en-US" altLang="ko-KR" dirty="0" smtClean="0"/>
+              <a:t>[python] 10</a:t>
+            </a:r>
+            <a:r>
+              <a:rPr lang="ko-KR" altLang="en-US" dirty="0" smtClean="0"/>
+              <a:t>분만에 </a:t>
+            </a:r>
+            <a:r>
+              <a:rPr lang="ko-KR" altLang="en-US" dirty="0" err="1" smtClean="0"/>
+              <a:t>카카오톡</a:t>
+            </a:r>
+            <a:r>
+              <a:rPr lang="ko-KR" altLang="en-US" dirty="0" smtClean="0"/>
+              <a:t> </a:t>
+            </a:r>
+            <a:r>
+              <a:rPr lang="ko-KR" altLang="en-US" dirty="0" err="1" smtClean="0"/>
+              <a:t>챗봇</a:t>
+            </a:r>
+            <a:r>
+              <a:rPr lang="ko-KR" altLang="en-US" dirty="0" smtClean="0"/>
+              <a:t> 만들기</a:t>
+            </a:r>
+            <a:r>
+              <a:rPr lang="en-US" altLang="ko-KR" dirty="0" smtClean="0"/>
+              <a:t>1~3 </a:t>
+            </a:r>
+            <a:r>
+              <a:rPr lang="ko-KR" altLang="en-US" dirty="0" smtClean="0"/>
+              <a:t>및 오류</a:t>
+            </a:r>
+            <a:r>
+              <a:rPr lang="en-US" altLang="ko-KR" dirty="0" smtClean="0"/>
+              <a:t>( </a:t>
+            </a:r>
+            <a:r>
+              <a:rPr lang="en-US" altLang="ko-KR" dirty="0" smtClean="0">
+                <a:hlinkClick r:id="rId2"/>
               </a:rPr>
-              <a:t>감사합니다</a:t>
-            </a:r>
-            <a:endParaRPr lang="en-US" altLang="ko-KR" sz="13800" b="1" dirty="0">
-              <a:ln w="0"/>
-              <a:effectLst>
-                <a:outerShdw blurRad="38100" dist="19050" dir="2700000" algn="tl" rotWithShape="0">
-                  <a:schemeClr val="dk1">
-                    <a:alpha val="40000"/>
-                  </a:schemeClr>
-                </a:outerShdw>
-              </a:effectLst>
-            </a:endParaRPr>
+              <a:t>https</a:t>
+            </a:r>
+            <a:r>
+              <a:rPr lang="en-US" altLang="ko-KR" dirty="0">
+                <a:hlinkClick r:id="rId2"/>
+              </a:rPr>
+              <a:t>://</a:t>
+            </a:r>
+            <a:r>
+              <a:rPr lang="en-US" altLang="ko-KR" dirty="0" smtClean="0">
+                <a:hlinkClick r:id="rId2"/>
+              </a:rPr>
+              <a:t>novice-engineers.tistory.com/15</a:t>
+            </a:r>
+            <a:r>
+              <a:rPr lang="en-US" altLang="ko-KR" dirty="0"/>
+              <a:t>, </a:t>
+            </a:r>
+            <a:r>
+              <a:rPr lang="en-US" altLang="ko-KR" dirty="0">
+                <a:hlinkClick r:id="rId3"/>
+              </a:rPr>
+              <a:t>https://</a:t>
+            </a:r>
+            <a:r>
+              <a:rPr lang="en-US" altLang="ko-KR" dirty="0" smtClean="0">
+                <a:hlinkClick r:id="rId3"/>
+              </a:rPr>
+              <a:t>novice-engineers.tistory.com/23</a:t>
+            </a:r>
+            <a:r>
+              <a:rPr lang="en-US" altLang="ko-KR" dirty="0" smtClean="0"/>
+              <a:t>, </a:t>
+            </a:r>
+            <a:r>
+              <a:rPr lang="en-US" altLang="ko-KR" dirty="0">
+                <a:hlinkClick r:id="rId4"/>
+              </a:rPr>
+              <a:t>https://</a:t>
+            </a:r>
+            <a:r>
+              <a:rPr lang="en-US" altLang="ko-KR" dirty="0" smtClean="0">
+                <a:hlinkClick r:id="rId4"/>
+              </a:rPr>
+              <a:t>novice-engineers.tistory.com/24</a:t>
+            </a:r>
+            <a:r>
+              <a:rPr lang="en-US" altLang="ko-KR" dirty="0" smtClean="0"/>
+              <a:t>,  </a:t>
+            </a:r>
+            <a:r>
+              <a:rPr lang="en-US" altLang="ko-KR" dirty="0">
+                <a:hlinkClick r:id="rId5"/>
+              </a:rPr>
+              <a:t>https://</a:t>
+            </a:r>
+            <a:r>
+              <a:rPr lang="en-US" altLang="ko-KR" dirty="0" smtClean="0">
+                <a:hlinkClick r:id="rId5"/>
+              </a:rPr>
+              <a:t>novice-engineers.tistory.com/31</a:t>
+            </a:r>
+            <a:r>
+              <a:rPr lang="en-US" altLang="ko-KR" dirty="0" smtClean="0"/>
+              <a:t> ) </a:t>
+            </a:r>
+            <a:endParaRPr lang="ko-KR" altLang="en-US" dirty="0"/>
+          </a:p>
+        </p:txBody>
+      </p:sp>
+      <p:sp>
+        <p:nvSpPr>
+          <p:cNvPr id="4" name="슬라이드 번호 개체 틀 3"/>
+          <p:cNvSpPr>
+            <a:spLocks noGrp="1"/>
+          </p:cNvSpPr>
+          <p:nvPr>
+            <p:ph type="sldNum" sz="quarter" idx="12"/>
+          </p:nvPr>
+        </p:nvSpPr>
+        <p:spPr/>
+        <p:txBody>
+          <a:bodyPr/>
+          <a:lstStyle/>
+          <a:p>
+            <a:fld id="{69E57DC2-970A-4B3E-BB1C-7A09969E49DF}" type="slidenum">
+              <a:rPr lang="en-US" altLang="ko-KR" smtClean="0"/>
+              <a:pPr/>
+              <a:t>38</a:t>
+            </a:fld>
+            <a:r>
+              <a:rPr lang="en-US" altLang="ko-KR" smtClean="0"/>
+              <a:t>/38</a:t>
+            </a:r>
+            <a:endParaRPr lang="en-US" altLang="ko-KR" dirty="0"/>
           </a:p>
         </p:txBody>
       </p:sp>
     </p:spTree>
     <p:extLst>
       <p:ext uri="{BB962C8B-B14F-4D97-AF65-F5344CB8AC3E}">
-        <p14:creationId xmlns:p14="http://schemas.microsoft.com/office/powerpoint/2010/main" val="2111613772"/>
+        <p14:creationId xmlns:p14="http://schemas.microsoft.com/office/powerpoint/2010/main" val="2734166836"/>
       </p:ext>
     </p:extLst>
   </p:cSld>
   <p:clrMapOvr>
     <a:masterClrMapping/>
   </p:clrMapOvr>
-  <p:timing>
-    <p:tnLst>
-      <p:par>
-        <p:cTn id="1" dur="indefinite" restart="never" nodeType="tmRoot"/>
-      </p:par>
-    </p:tnLst>
-  </p:timing>
 </p:sld>
 </file>
 
@@ -14591,7 +14758,47 @@
             </a:r>
             <a:r>
               <a:rPr lang="ko-KR" altLang="en-US" sz="1800" dirty="0" smtClean="0"/>
-              <a:t>단순 심심풀이용이거나 악용되며 변질됨</a:t>
+              <a:t>단순 심심풀이용이거나 악용되며 </a:t>
+            </a:r>
+            <a:r>
+              <a:rPr lang="ko-KR" altLang="en-US" sz="1800" dirty="0" smtClean="0"/>
+              <a:t>변질됨</a:t>
+            </a:r>
+            <a:endParaRPr lang="en-US" altLang="ko-KR" sz="1800" dirty="0" smtClean="0"/>
+          </a:p>
+          <a:p>
+            <a:pPr lvl="1"/>
+            <a:r>
+              <a:rPr lang="en-US" altLang="ko-KR" sz="1800" dirty="0" err="1" smtClean="0"/>
+              <a:t>chatGPT</a:t>
+            </a:r>
+            <a:r>
+              <a:rPr lang="ko-KR" altLang="en-US" sz="1800" dirty="0" smtClean="0"/>
+              <a:t>는 매우 구현하기 힘들고 </a:t>
+            </a:r>
+            <a:r>
+              <a:rPr lang="en-US" altLang="ko-KR" sz="1800" dirty="0" smtClean="0"/>
+              <a:t>API</a:t>
+            </a:r>
+            <a:r>
+              <a:rPr lang="ko-KR" altLang="en-US" sz="1800" dirty="0" smtClean="0"/>
+              <a:t>는 비용이 발생함</a:t>
+            </a:r>
+            <a:endParaRPr lang="en-US" altLang="ko-KR" sz="1800" dirty="0" smtClean="0"/>
+          </a:p>
+          <a:p>
+            <a:pPr lvl="1"/>
+            <a:r>
+              <a:rPr lang="ko-KR" altLang="en-US" sz="1800" dirty="0" smtClean="0"/>
+              <a:t>범용 </a:t>
+            </a:r>
+            <a:r>
+              <a:rPr lang="ko-KR" altLang="en-US" sz="1800" dirty="0" err="1" smtClean="0"/>
+              <a:t>챗봇의</a:t>
+            </a:r>
+            <a:r>
+              <a:rPr lang="ko-KR" altLang="en-US" sz="1800" dirty="0" smtClean="0"/>
+              <a:t> 경우 정확도 등의 이슈가 빈번하게 존재함</a:t>
             </a:r>
             <a:endParaRPr lang="en-US" altLang="ko-KR" sz="1800" dirty="0"/>
           </a:p>
@@ -14643,7 +14850,7 @@
         </p:blipFill>
         <p:spPr bwMode="auto">
           <a:xfrm>
-            <a:off x="4352723" y="3201202"/>
+            <a:off x="4352723" y="3635767"/>
             <a:ext cx="3912645" cy="2308461"/>
           </a:xfrm>
           <a:prstGeom prst="rect">
@@ -14669,7 +14876,7 @@
         </p:nvSpPr>
         <p:spPr>
           <a:xfrm>
-            <a:off x="3236193" y="5597530"/>
+            <a:off x="3236193" y="6032095"/>
             <a:ext cx="6301725" cy="369332"/>
           </a:xfrm>
           <a:prstGeom prst="rect">
@@ -14743,6 +14950,92 @@
     <p:extLst>
       <p:ext uri="{BB962C8B-B14F-4D97-AF65-F5344CB8AC3E}">
         <p14:creationId xmlns:p14="http://schemas.microsoft.com/office/powerpoint/2010/main" val="49610992"/>
+      </p:ext>
+    </p:extLst>
+  </p:cSld>
+  <p:clrMapOvr>
+    <a:masterClrMapping/>
+  </p:clrMapOvr>
+  <p:timing>
+    <p:tnLst>
+      <p:par>
+        <p:cTn id="1" dur="indefinite" restart="never" nodeType="tmRoot"/>
+      </p:par>
+    </p:tnLst>
+  </p:timing>
+</p:sld>
+</file>
+
+<file path=ppt/slides/slide40.xml><?xml version="1.0" encoding="utf-8"?>
+<p:sld xmlns:a="http://schemas.openxmlformats.org/drawingml/2006/main" xmlns:r="http://schemas.openxmlformats.org/officeDocument/2006/relationships" xmlns:p="http://schemas.openxmlformats.org/presentationml/2006/main">
+  <p:cSld>
+    <p:spTree>
+      <p:nvGrpSpPr>
+        <p:cNvPr id="1" name=""/>
+        <p:cNvGrpSpPr/>
+        <p:nvPr/>
+      </p:nvGrpSpPr>
+      <p:grpSpPr>
+        <a:xfrm>
+          <a:off x="0" y="0"/>
+          <a:ext cx="0" cy="0"/>
+          <a:chOff x="0" y="0"/>
+          <a:chExt cx="0" cy="0"/>
+        </a:xfrm>
+      </p:grpSpPr>
+      <p:sp>
+        <p:nvSpPr>
+          <p:cNvPr id="4" name="직사각형 3"/>
+          <p:cNvSpPr/>
+          <p:nvPr/>
+        </p:nvSpPr>
+        <p:spPr>
+          <a:xfrm>
+            <a:off x="1755786" y="2457196"/>
+            <a:ext cx="8872942" cy="2215991"/>
+          </a:xfrm>
+          <a:prstGeom prst="rect">
+            <a:avLst/>
+          </a:prstGeom>
+          <a:noFill/>
+        </p:spPr>
+        <p:txBody>
+          <a:bodyPr wrap="none" lIns="91440" tIns="45720" rIns="91440" bIns="45720">
+            <a:spAutoFit/>
+          </a:bodyPr>
+          <a:lstStyle/>
+          <a:p>
+            <a:pPr algn="ctr"/>
+            <a:r>
+              <a:rPr lang="ko-KR" altLang="en-US" sz="13800" b="1" dirty="0" smtClean="0">
+                <a:ln w="0"/>
+                <a:effectLst>
+                  <a:outerShdw blurRad="38100" dist="19050" dir="2700000" algn="tl" rotWithShape="0">
+                    <a:schemeClr val="dk1">
+                      <a:alpha val="40000"/>
+                    </a:schemeClr>
+                  </a:outerShdw>
+                </a:effectLst>
+              </a:rPr>
+              <a:t>감사합니다</a:t>
+            </a:r>
+            <a:endParaRPr lang="en-US" altLang="ko-KR" sz="13800" b="1" dirty="0">
+              <a:ln w="0"/>
+              <a:effectLst>
+                <a:outerShdw blurRad="38100" dist="19050" dir="2700000" algn="tl" rotWithShape="0">
+                  <a:schemeClr val="dk1">
+                    <a:alpha val="40000"/>
+                  </a:schemeClr>
+                </a:outerShdw>
+              </a:effectLst>
+            </a:endParaRPr>
+          </a:p>
+        </p:txBody>
+      </p:sp>
+    </p:spTree>
+    <p:extLst>
+      <p:ext uri="{BB962C8B-B14F-4D97-AF65-F5344CB8AC3E}">
+        <p14:creationId xmlns:p14="http://schemas.microsoft.com/office/powerpoint/2010/main" val="2111613772"/>
       </p:ext>
     </p:extLst>
   </p:cSld>
